--- a/FORMULA 1 HISTORY THROUGH DATA 031022.pptx
+++ b/FORMULA 1 HISTORY THROUGH DATA 031022.pptx
@@ -35,28 +35,27 @@
     <p:sldId id="278" r:id="rId31"/>
     <p:sldId id="279" r:id="rId32"/>
     <p:sldId id="280" r:id="rId33"/>
-    <p:sldId id="281" r:id="rId34"/>
   </p:sldIdLst>
   <p:sldSz cy="5143500" cx="9144000"/>
   <p:notesSz cx="6858000" cy="9144000"/>
   <p:embeddedFontLst>
     <p:embeddedFont>
       <p:font typeface="Libre Franklin"/>
-      <p:regular r:id="rId35"/>
-      <p:bold r:id="rId36"/>
-      <p:italic r:id="rId37"/>
-      <p:boldItalic r:id="rId38"/>
+      <p:regular r:id="rId34"/>
+      <p:bold r:id="rId35"/>
+      <p:italic r:id="rId36"/>
+      <p:boldItalic r:id="rId37"/>
     </p:embeddedFont>
     <p:embeddedFont>
       <p:font typeface="Franklin Gothic"/>
-      <p:bold r:id="rId39"/>
+      <p:bold r:id="rId38"/>
     </p:embeddedFont>
     <p:embeddedFont>
       <p:font typeface="Quattrocento Sans"/>
-      <p:regular r:id="rId40"/>
-      <p:bold r:id="rId41"/>
-      <p:italic r:id="rId42"/>
-      <p:boldItalic r:id="rId43"/>
+      <p:regular r:id="rId39"/>
+      <p:bold r:id="rId40"/>
+      <p:italic r:id="rId41"/>
+      <p:boldItalic r:id="rId42"/>
     </p:embeddedFont>
   </p:embeddedFontLst>
   <p:defaultTextStyle>
@@ -2404,125 +2403,7 @@
       </p:grpSpPr>
       <p:sp>
         <p:nvSpPr>
-          <p:cNvPr id="398" name="Google Shape;398;g1197fa5c83e_3_327:notes"/>
-          <p:cNvSpPr txBox="1"/>
-          <p:nvPr>
-            <p:ph idx="1" type="body"/>
-          </p:nvPr>
-        </p:nvSpPr>
-        <p:spPr>
-          <a:xfrm>
-            <a:off x="685800" y="4343400"/>
-            <a:ext cx="5486400" cy="4114800"/>
-          </a:xfrm>
-          <a:prstGeom prst="rect">
-            <a:avLst/>
-          </a:prstGeom>
-          <a:noFill/>
-          <a:ln>
-            <a:noFill/>
-          </a:ln>
-        </p:spPr>
-        <p:txBody>
-          <a:bodyPr anchorCtr="0" anchor="t" bIns="91425" lIns="91425" spcFirstLastPara="1" rIns="91425" wrap="square" tIns="91425">
-            <a:noAutofit/>
-          </a:bodyPr>
-          <a:lstStyle/>
-          <a:p>
-            <a:pPr indent="0" lvl="0" marL="0" rtl="0" algn="l">
-              <a:spcBef>
-                <a:spcPts val="0"/>
-              </a:spcBef>
-              <a:spcAft>
-                <a:spcPts val="0"/>
-              </a:spcAft>
-              <a:buClr>
-                <a:schemeClr val="dk1"/>
-              </a:buClr>
-              <a:buSzPts val="1200"/>
-              <a:buFont typeface="Calibri"/>
-              <a:buNone/>
-            </a:pPr>
-            <a:r>
-              <a:t/>
-            </a:r>
-            <a:endParaRPr/>
-          </a:p>
-        </p:txBody>
-      </p:sp>
-      <p:sp>
-        <p:nvSpPr>
-          <p:cNvPr id="399" name="Google Shape;399;g1197fa5c83e_3_327:notes"/>
-          <p:cNvSpPr/>
-          <p:nvPr>
-            <p:ph idx="2" type="sldImg"/>
-          </p:nvPr>
-        </p:nvSpPr>
-        <p:spPr>
-          <a:xfrm>
-            <a:off x="1143225" y="685800"/>
-            <a:ext cx="4572225" cy="3429000"/>
-          </a:xfrm>
-          <a:custGeom>
-            <a:rect b="b" l="l" r="r" t="t"/>
-            <a:pathLst>
-              <a:path extrusionOk="0" h="120000" w="120000">
-                <a:moveTo>
-                  <a:pt x="0" y="0"/>
-                </a:moveTo>
-                <a:lnTo>
-                  <a:pt x="120000" y="0"/>
-                </a:lnTo>
-                <a:lnTo>
-                  <a:pt x="120000" y="120000"/>
-                </a:lnTo>
-                <a:lnTo>
-                  <a:pt x="0" y="120000"/>
-                </a:lnTo>
-                <a:close/>
-              </a:path>
-            </a:pathLst>
-          </a:custGeom>
-          <a:noFill/>
-          <a:ln cap="flat" cmpd="sng" w="12700">
-            <a:solidFill>
-              <a:srgbClr val="000000"/>
-            </a:solidFill>
-            <a:prstDash val="solid"/>
-            <a:round/>
-            <a:headEnd len="sm" w="sm" type="none"/>
-            <a:tailEnd len="sm" w="sm" type="none"/>
-          </a:ln>
-        </p:spPr>
-      </p:sp>
-    </p:spTree>
-  </p:cSld>
-  <p:clrMapOvr>
-    <a:masterClrMapping/>
-  </p:clrMapOvr>
-</p:notes>
-</file>
-
-<file path=ppt/notesSlides/notesSlide23.xml><?xml version="1.0" encoding="utf-8"?>
-<p:notes xmlns:a="http://schemas.openxmlformats.org/drawingml/2006/main" xmlns:r="http://schemas.openxmlformats.org/officeDocument/2006/relationships" xmlns:mc="http://schemas.openxmlformats.org/markup-compatibility/2006" xmlns:mv="urn:schemas-microsoft-com:mac:vml" xmlns:p="http://schemas.openxmlformats.org/presentationml/2006/main" xmlns:c="http://schemas.openxmlformats.org/drawingml/2006/chart" xmlns:dgm="http://schemas.openxmlformats.org/drawingml/2006/diagram" xmlns:o="urn:schemas-microsoft-com:office:office" xmlns:v="urn:schemas-microsoft-com:vml" xmlns:pvml="urn:schemas-microsoft-com:office:powerpoint" xmlns:com="http://schemas.openxmlformats.org/drawingml/2006/compatibility" xmlns:p14="http://schemas.microsoft.com/office/powerpoint/2010/main" xmlns:p15="http://schemas.microsoft.com/office/powerpoint/2012/main" xmlns:ahyp="http://schemas.microsoft.com/office/drawing/2018/hyperlinkcolor" showMasterPhAnim="0" showMasterSp="0">
-  <p:cSld>
-    <p:spTree>
-      <p:nvGrpSpPr>
-        <p:cNvPr id="405" name="Shape 405"/>
-        <p:cNvGrpSpPr/>
-        <p:nvPr/>
-      </p:nvGrpSpPr>
-      <p:grpSpPr>
-        <a:xfrm>
-          <a:off x="0" y="0"/>
-          <a:ext cx="0" cy="0"/>
-          <a:chOff x="0" y="0"/>
-          <a:chExt cx="0" cy="0"/>
-        </a:xfrm>
-      </p:grpSpPr>
-      <p:sp>
-        <p:nvSpPr>
-          <p:cNvPr id="406" name="Google Shape;406;g1197fa5c83e_3_334:notes"/>
+          <p:cNvPr id="398" name="Google Shape;398;g1197fa5c83e_3_334:notes"/>
           <p:cNvSpPr/>
           <p:nvPr>
             <p:ph idx="2" type="sldImg"/>
@@ -2567,7 +2448,7 @@
       </p:sp>
       <p:sp>
         <p:nvSpPr>
-          <p:cNvPr id="407" name="Google Shape;407;g1197fa5c83e_3_334:notes"/>
+          <p:cNvPr id="399" name="Google Shape;399;g1197fa5c83e_3_334:notes"/>
           <p:cNvSpPr txBox="1"/>
           <p:nvPr>
             <p:ph idx="1" type="body"/>
@@ -2621,12 +2502,12 @@
 </p:notes>
 </file>
 
-<file path=ppt/notesSlides/notesSlide24.xml><?xml version="1.0" encoding="utf-8"?>
+<file path=ppt/notesSlides/notesSlide23.xml><?xml version="1.0" encoding="utf-8"?>
 <p:notes xmlns:a="http://schemas.openxmlformats.org/drawingml/2006/main" xmlns:r="http://schemas.openxmlformats.org/officeDocument/2006/relationships" xmlns:mc="http://schemas.openxmlformats.org/markup-compatibility/2006" xmlns:mv="urn:schemas-microsoft-com:mac:vml" xmlns:p="http://schemas.openxmlformats.org/presentationml/2006/main" xmlns:c="http://schemas.openxmlformats.org/drawingml/2006/chart" xmlns:dgm="http://schemas.openxmlformats.org/drawingml/2006/diagram" xmlns:o="urn:schemas-microsoft-com:office:office" xmlns:v="urn:schemas-microsoft-com:vml" xmlns:pvml="urn:schemas-microsoft-com:office:powerpoint" xmlns:com="http://schemas.openxmlformats.org/drawingml/2006/compatibility" xmlns:p14="http://schemas.microsoft.com/office/powerpoint/2010/main" xmlns:p15="http://schemas.microsoft.com/office/powerpoint/2012/main" xmlns:ahyp="http://schemas.microsoft.com/office/drawing/2018/hyperlinkcolor" showMasterPhAnim="0" showMasterSp="0">
   <p:cSld>
     <p:spTree>
       <p:nvGrpSpPr>
-        <p:cNvPr id="412" name="Shape 412"/>
+        <p:cNvPr id="404" name="Shape 404"/>
         <p:cNvGrpSpPr/>
         <p:nvPr/>
       </p:nvGrpSpPr>
@@ -2640,7 +2521,7 @@
       </p:grpSpPr>
       <p:sp>
         <p:nvSpPr>
-          <p:cNvPr id="413" name="Google Shape;413;g1197fa5c83e_3_340:notes"/>
+          <p:cNvPr id="405" name="Google Shape;405;g1197fa5c83e_3_340:notes"/>
           <p:cNvSpPr/>
           <p:nvPr>
             <p:ph idx="2" type="sldImg"/>
@@ -2685,7 +2566,7 @@
       </p:sp>
       <p:sp>
         <p:nvSpPr>
-          <p:cNvPr id="414" name="Google Shape;414;g1197fa5c83e_3_340:notes"/>
+          <p:cNvPr id="406" name="Google Shape;406;g1197fa5c83e_3_340:notes"/>
           <p:cNvSpPr txBox="1"/>
           <p:nvPr>
             <p:ph idx="1" type="body"/>
@@ -2739,12 +2620,12 @@
 </p:notes>
 </file>
 
-<file path=ppt/notesSlides/notesSlide25.xml><?xml version="1.0" encoding="utf-8"?>
+<file path=ppt/notesSlides/notesSlide24.xml><?xml version="1.0" encoding="utf-8"?>
 <p:notes xmlns:a="http://schemas.openxmlformats.org/drawingml/2006/main" xmlns:r="http://schemas.openxmlformats.org/officeDocument/2006/relationships" xmlns:mc="http://schemas.openxmlformats.org/markup-compatibility/2006" xmlns:mv="urn:schemas-microsoft-com:mac:vml" xmlns:p="http://schemas.openxmlformats.org/presentationml/2006/main" xmlns:c="http://schemas.openxmlformats.org/drawingml/2006/chart" xmlns:dgm="http://schemas.openxmlformats.org/drawingml/2006/diagram" xmlns:o="urn:schemas-microsoft-com:office:office" xmlns:v="urn:schemas-microsoft-com:vml" xmlns:pvml="urn:schemas-microsoft-com:office:powerpoint" xmlns:com="http://schemas.openxmlformats.org/drawingml/2006/compatibility" xmlns:p14="http://schemas.microsoft.com/office/powerpoint/2010/main" xmlns:p15="http://schemas.microsoft.com/office/powerpoint/2012/main" xmlns:ahyp="http://schemas.microsoft.com/office/drawing/2018/hyperlinkcolor" showMasterPhAnim="0" showMasterSp="0">
   <p:cSld>
     <p:spTree>
       <p:nvGrpSpPr>
-        <p:cNvPr id="419" name="Shape 419"/>
+        <p:cNvPr id="411" name="Shape 411"/>
         <p:cNvGrpSpPr/>
         <p:nvPr/>
       </p:nvGrpSpPr>
@@ -2758,7 +2639,7 @@
       </p:grpSpPr>
       <p:sp>
         <p:nvSpPr>
-          <p:cNvPr id="420" name="Google Shape;420;g1197fa5c83e_3_346:notes"/>
+          <p:cNvPr id="412" name="Google Shape;412;g1197fa5c83e_3_346:notes"/>
           <p:cNvSpPr txBox="1"/>
           <p:nvPr>
             <p:ph idx="1" type="body"/>
@@ -2797,7 +2678,7 @@
       </p:sp>
       <p:sp>
         <p:nvSpPr>
-          <p:cNvPr id="421" name="Google Shape;421;g1197fa5c83e_3_346:notes"/>
+          <p:cNvPr id="413" name="Google Shape;413;g1197fa5c83e_3_346:notes"/>
           <p:cNvSpPr/>
           <p:nvPr>
             <p:ph idx="2" type="sldImg"/>
@@ -2838,12 +2719,12 @@
 </p:notes>
 </file>
 
-<file path=ppt/notesSlides/notesSlide26.xml><?xml version="1.0" encoding="utf-8"?>
+<file path=ppt/notesSlides/notesSlide25.xml><?xml version="1.0" encoding="utf-8"?>
 <p:notes xmlns:a="http://schemas.openxmlformats.org/drawingml/2006/main" xmlns:r="http://schemas.openxmlformats.org/officeDocument/2006/relationships" xmlns:mc="http://schemas.openxmlformats.org/markup-compatibility/2006" xmlns:mv="urn:schemas-microsoft-com:mac:vml" xmlns:p="http://schemas.openxmlformats.org/presentationml/2006/main" xmlns:c="http://schemas.openxmlformats.org/drawingml/2006/chart" xmlns:dgm="http://schemas.openxmlformats.org/drawingml/2006/diagram" xmlns:o="urn:schemas-microsoft-com:office:office" xmlns:v="urn:schemas-microsoft-com:vml" xmlns:pvml="urn:schemas-microsoft-com:office:powerpoint" xmlns:com="http://schemas.openxmlformats.org/drawingml/2006/compatibility" xmlns:p14="http://schemas.microsoft.com/office/powerpoint/2010/main" xmlns:p15="http://schemas.microsoft.com/office/powerpoint/2012/main" xmlns:ahyp="http://schemas.microsoft.com/office/drawing/2018/hyperlinkcolor" showMasterPhAnim="0" showMasterSp="0">
   <p:cSld>
     <p:spTree>
       <p:nvGrpSpPr>
-        <p:cNvPr id="429" name="Shape 429"/>
+        <p:cNvPr id="421" name="Shape 421"/>
         <p:cNvGrpSpPr/>
         <p:nvPr/>
       </p:nvGrpSpPr>
@@ -2857,7 +2738,7 @@
       </p:grpSpPr>
       <p:sp>
         <p:nvSpPr>
-          <p:cNvPr id="430" name="Google Shape;430;g1197fa5c83e_3_355:notes"/>
+          <p:cNvPr id="422" name="Google Shape;422;g1197fa5c83e_3_355:notes"/>
           <p:cNvSpPr txBox="1"/>
           <p:nvPr>
             <p:ph idx="1" type="body"/>
@@ -2905,7 +2786,7 @@
       </p:sp>
       <p:sp>
         <p:nvSpPr>
-          <p:cNvPr id="431" name="Google Shape;431;g1197fa5c83e_3_355:notes"/>
+          <p:cNvPr id="423" name="Google Shape;423;g1197fa5c83e_3_355:notes"/>
           <p:cNvSpPr/>
           <p:nvPr>
             <p:ph idx="2" type="sldImg"/>
@@ -28363,7 +28244,7 @@
             <a:tbl>
               <a:tblPr bandRow="1" firstRow="1">
                 <a:noFill/>
-                <a:tableStyleId>{07F57422-585C-4A6D-A043-18CB1AC9C6AB}</a:tableStyleId>
+                <a:tableStyleId>{C4EFFE93-DC3F-4F80-8164-3FC85A7FC325}</a:tableStyleId>
               </a:tblPr>
               <a:tblGrid>
                 <a:gridCol w="1248925"/>
@@ -29200,7 +29081,7 @@
             <a:tbl>
               <a:tblPr bandRow="1" firstRow="1">
                 <a:noFill/>
-                <a:tableStyleId>{07F57422-585C-4A6D-A043-18CB1AC9C6AB}</a:tableStyleId>
+                <a:tableStyleId>{C4EFFE93-DC3F-4F80-8164-3FC85A7FC325}</a:tableStyleId>
               </a:tblPr>
               <a:tblGrid>
                 <a:gridCol w="1248925"/>
@@ -29999,7 +29880,7 @@
             <a:tbl>
               <a:tblPr bandRow="1" firstRow="1">
                 <a:noFill/>
-                <a:tableStyleId>{07F57422-585C-4A6D-A043-18CB1AC9C6AB}</a:tableStyleId>
+                <a:tableStyleId>{C4EFFE93-DC3F-4F80-8164-3FC85A7FC325}</a:tableStyleId>
               </a:tblPr>
               <a:tblGrid>
                 <a:gridCol w="880775"/>
@@ -30078,7 +29959,7 @@
             <a:tbl>
               <a:tblPr bandRow="1" firstRow="1">
                 <a:noFill/>
-                <a:tableStyleId>{07F57422-585C-4A6D-A043-18CB1AC9C6AB}</a:tableStyleId>
+                <a:tableStyleId>{C4EFFE93-DC3F-4F80-8164-3FC85A7FC325}</a:tableStyleId>
               </a:tblPr>
               <a:tblGrid>
                 <a:gridCol w="870375"/>
@@ -31830,283 +31711,6 @@
         <p:spPr>
           <a:xfrm>
             <a:off x="435894" y="526617"/>
-            <a:ext cx="8272212" cy="891540"/>
-          </a:xfrm>
-          <a:prstGeom prst="rect">
-            <a:avLst/>
-          </a:prstGeom>
-          <a:noFill/>
-          <a:ln>
-            <a:noFill/>
-          </a:ln>
-        </p:spPr>
-        <p:txBody>
-          <a:bodyPr anchorCtr="0" anchor="b" bIns="34275" lIns="68575" spcFirstLastPara="1" rIns="68575" wrap="square" tIns="34275">
-            <a:normAutofit/>
-          </a:bodyPr>
-          <a:lstStyle/>
-          <a:p>
-            <a:pPr indent="0" lvl="0" marL="0" rtl="0" algn="l">
-              <a:lnSpc>
-                <a:spcPct val="100000"/>
-              </a:lnSpc>
-              <a:spcBef>
-                <a:spcPts val="0"/>
-              </a:spcBef>
-              <a:spcAft>
-                <a:spcPts val="0"/>
-              </a:spcAft>
-              <a:buSzPts val="1600"/>
-              <a:buNone/>
-            </a:pPr>
-            <a:r>
-              <a:rPr lang="en"/>
-              <a:t>TABLEAU</a:t>
-            </a:r>
-            <a:endParaRPr/>
-          </a:p>
-        </p:txBody>
-      </p:sp>
-      <p:sp>
-        <p:nvSpPr>
-          <p:cNvPr id="402" name="Google Shape;402;p48"/>
-          <p:cNvSpPr txBox="1"/>
-          <p:nvPr>
-            <p:ph idx="1" type="body"/>
-          </p:nvPr>
-        </p:nvSpPr>
-        <p:spPr>
-          <a:xfrm>
-            <a:off x="435895" y="1755649"/>
-            <a:ext cx="4941547" cy="2725865"/>
-          </a:xfrm>
-          <a:prstGeom prst="rect">
-            <a:avLst/>
-          </a:prstGeom>
-          <a:noFill/>
-          <a:ln>
-            <a:noFill/>
-          </a:ln>
-        </p:spPr>
-        <p:txBody>
-          <a:bodyPr anchorCtr="0" anchor="ctr" bIns="34275" lIns="68575" spcFirstLastPara="1" rIns="68575" wrap="square" tIns="34275">
-            <a:normAutofit/>
-          </a:bodyPr>
-          <a:lstStyle/>
-          <a:p>
-            <a:pPr indent="-222250" lvl="0" marL="228600" rtl="0" algn="l">
-              <a:lnSpc>
-                <a:spcPct val="110000"/>
-              </a:lnSpc>
-              <a:spcBef>
-                <a:spcPts val="0"/>
-              </a:spcBef>
-              <a:spcAft>
-                <a:spcPts val="0"/>
-              </a:spcAft>
-              <a:buSzPts val="900"/>
-              <a:buChar char="◼"/>
-            </a:pPr>
-            <a:r>
-              <a:rPr b="0" i="0" lang="en">
-                <a:solidFill>
-                  <a:schemeClr val="dk1"/>
-                </a:solidFill>
-                <a:latin typeface="Arial"/>
-                <a:ea typeface="Arial"/>
-                <a:cs typeface="Arial"/>
-                <a:sym typeface="Arial"/>
-              </a:rPr>
-              <a:t>Tableau is a visual analytics platform transforming the way we use data to solve problems—empowering people and organizations to make the most of their data.</a:t>
-            </a:r>
-            <a:endParaRPr b="0" i="0">
-              <a:solidFill>
-                <a:schemeClr val="dk1"/>
-              </a:solidFill>
-              <a:latin typeface="Arial"/>
-              <a:ea typeface="Arial"/>
-              <a:cs typeface="Arial"/>
-              <a:sym typeface="Arial"/>
-            </a:endParaRPr>
-          </a:p>
-          <a:p>
-            <a:pPr indent="-165100" lvl="0" marL="228600" rtl="0" algn="l">
-              <a:lnSpc>
-                <a:spcPct val="110000"/>
-              </a:lnSpc>
-              <a:spcBef>
-                <a:spcPts val="0"/>
-              </a:spcBef>
-              <a:spcAft>
-                <a:spcPts val="0"/>
-              </a:spcAft>
-              <a:buClr>
-                <a:schemeClr val="dk1"/>
-              </a:buClr>
-              <a:buSzPts val="900"/>
-              <a:buFont typeface="Arial"/>
-              <a:buNone/>
-            </a:pPr>
-            <a:r>
-              <a:t/>
-            </a:r>
-            <a:endParaRPr>
-              <a:solidFill>
-                <a:schemeClr val="dk1"/>
-              </a:solidFill>
-              <a:latin typeface="Arial"/>
-              <a:ea typeface="Arial"/>
-              <a:cs typeface="Arial"/>
-              <a:sym typeface="Arial"/>
-            </a:endParaRPr>
-          </a:p>
-          <a:p>
-            <a:pPr indent="-222250" lvl="0" marL="228600" rtl="0" algn="l">
-              <a:lnSpc>
-                <a:spcPct val="110000"/>
-              </a:lnSpc>
-              <a:spcBef>
-                <a:spcPts val="700"/>
-              </a:spcBef>
-              <a:spcAft>
-                <a:spcPts val="0"/>
-              </a:spcAft>
-              <a:buSzPts val="900"/>
-              <a:buChar char="◼"/>
-            </a:pPr>
-            <a:r>
-              <a:rPr lang="en">
-                <a:solidFill>
-                  <a:schemeClr val="dk1"/>
-                </a:solidFill>
-                <a:latin typeface="Arial"/>
-                <a:ea typeface="Arial"/>
-                <a:cs typeface="Arial"/>
-                <a:sym typeface="Arial"/>
-              </a:rPr>
-              <a:t>Tableau is acknowledged as one of the leaders in industry to cover BI&amp;A (Business Intelligence and Analytics) just behind Power BI as per Gartner 2021 magic quadrants for BI&amp;A</a:t>
-            </a:r>
-            <a:endParaRPr b="0" i="0">
-              <a:solidFill>
-                <a:schemeClr val="dk1"/>
-              </a:solidFill>
-              <a:latin typeface="Arial"/>
-              <a:ea typeface="Arial"/>
-              <a:cs typeface="Arial"/>
-              <a:sym typeface="Arial"/>
-            </a:endParaRPr>
-          </a:p>
-          <a:p>
-            <a:pPr indent="-152400" lvl="0" marL="228600" rtl="0" algn="l">
-              <a:lnSpc>
-                <a:spcPct val="110000"/>
-              </a:lnSpc>
-              <a:spcBef>
-                <a:spcPts val="700"/>
-              </a:spcBef>
-              <a:spcAft>
-                <a:spcPts val="0"/>
-              </a:spcAft>
-              <a:buSzPts val="900"/>
-              <a:buNone/>
-            </a:pPr>
-            <a:r>
-              <a:t/>
-            </a:r>
-            <a:endParaRPr/>
-          </a:p>
-        </p:txBody>
-      </p:sp>
-      <p:pic>
-        <p:nvPicPr>
-          <p:cNvPr id="403" name="Google Shape;403;p48"/>
-          <p:cNvPicPr preferRelativeResize="0"/>
-          <p:nvPr/>
-        </p:nvPicPr>
-        <p:blipFill rotWithShape="1">
-          <a:blip r:embed="rId3">
-            <a:alphaModFix/>
-          </a:blip>
-          <a:srcRect b="0" l="0" r="0" t="0"/>
-          <a:stretch/>
-        </p:blipFill>
-        <p:spPr>
-          <a:xfrm>
-            <a:off x="6290766" y="868856"/>
-            <a:ext cx="1536121" cy="478698"/>
-          </a:xfrm>
-          <a:prstGeom prst="rect">
-            <a:avLst/>
-          </a:prstGeom>
-          <a:noFill/>
-          <a:ln>
-            <a:noFill/>
-          </a:ln>
-        </p:spPr>
-      </p:pic>
-      <p:pic>
-        <p:nvPicPr>
-          <p:cNvPr id="404" name="Google Shape;404;p48"/>
-          <p:cNvPicPr preferRelativeResize="0"/>
-          <p:nvPr/>
-        </p:nvPicPr>
-        <p:blipFill rotWithShape="1">
-          <a:blip r:embed="rId4">
-            <a:alphaModFix/>
-          </a:blip>
-          <a:srcRect b="0" l="0" r="0" t="0"/>
-          <a:stretch/>
-        </p:blipFill>
-        <p:spPr>
-          <a:xfrm>
-            <a:off x="5381558" y="1418158"/>
-            <a:ext cx="3354533" cy="3725343"/>
-          </a:xfrm>
-          <a:prstGeom prst="rect">
-            <a:avLst/>
-          </a:prstGeom>
-          <a:noFill/>
-          <a:ln>
-            <a:noFill/>
-          </a:ln>
-        </p:spPr>
-      </p:pic>
-    </p:spTree>
-  </p:cSld>
-  <p:clrMapOvr>
-    <a:masterClrMapping/>
-  </p:clrMapOvr>
-</p:sld>
-</file>
-
-<file path=ppt/slides/slide23.xml><?xml version="1.0" encoding="utf-8"?>
-<p:sld xmlns:a="http://schemas.openxmlformats.org/drawingml/2006/main" xmlns:r="http://schemas.openxmlformats.org/officeDocument/2006/relationships" xmlns:mc="http://schemas.openxmlformats.org/markup-compatibility/2006" xmlns:mv="urn:schemas-microsoft-com:mac:vml" xmlns:p="http://schemas.openxmlformats.org/presentationml/2006/main" xmlns:c="http://schemas.openxmlformats.org/drawingml/2006/chart" xmlns:dgm="http://schemas.openxmlformats.org/drawingml/2006/diagram" xmlns:o="urn:schemas-microsoft-com:office:office" xmlns:v="urn:schemas-microsoft-com:vml" xmlns:pvml="urn:schemas-microsoft-com:office:powerpoint" xmlns:com="http://schemas.openxmlformats.org/drawingml/2006/compatibility" xmlns:p14="http://schemas.microsoft.com/office/powerpoint/2010/main" xmlns:p15="http://schemas.microsoft.com/office/powerpoint/2012/main" xmlns:ahyp="http://schemas.microsoft.com/office/drawing/2018/hyperlinkcolor">
-  <p:cSld>
-    <p:spTree>
-      <p:nvGrpSpPr>
-        <p:cNvPr id="408" name="Shape 408"/>
-        <p:cNvGrpSpPr/>
-        <p:nvPr/>
-      </p:nvGrpSpPr>
-      <p:grpSpPr>
-        <a:xfrm>
-          <a:off x="0" y="0"/>
-          <a:ext cx="0" cy="0"/>
-          <a:chOff x="0" y="0"/>
-          <a:chExt cx="0" cy="0"/>
-        </a:xfrm>
-      </p:grpSpPr>
-      <p:sp>
-        <p:nvSpPr>
-          <p:cNvPr id="409" name="Google Shape;409;p49"/>
-          <p:cNvSpPr txBox="1"/>
-          <p:nvPr>
-            <p:ph type="title"/>
-          </p:nvPr>
-        </p:nvSpPr>
-        <p:spPr>
-          <a:xfrm>
-            <a:off x="435894" y="526617"/>
             <a:ext cx="8272200" cy="891600"/>
           </a:xfrm>
           <a:prstGeom prst="rect">
@@ -32148,7 +31752,7 @@
       </p:sp>
       <p:sp>
         <p:nvSpPr>
-          <p:cNvPr id="410" name="Google Shape;410;p49"/>
+          <p:cNvPr id="402" name="Google Shape;402;p48"/>
           <p:cNvSpPr txBox="1"/>
           <p:nvPr>
             <p:ph idx="1" type="body"/>
@@ -32195,7 +31799,7 @@
       </p:sp>
       <p:pic>
         <p:nvPicPr>
-          <p:cNvPr id="411" name="Google Shape;411;p49"/>
+          <p:cNvPr id="403" name="Google Shape;403;p48"/>
           <p:cNvPicPr preferRelativeResize="0"/>
           <p:nvPr/>
         </p:nvPicPr>
@@ -32228,12 +31832,12 @@
 </p:sld>
 </file>
 
-<file path=ppt/slides/slide24.xml><?xml version="1.0" encoding="utf-8"?>
+<file path=ppt/slides/slide23.xml><?xml version="1.0" encoding="utf-8"?>
 <p:sld xmlns:a="http://schemas.openxmlformats.org/drawingml/2006/main" xmlns:r="http://schemas.openxmlformats.org/officeDocument/2006/relationships" xmlns:mc="http://schemas.openxmlformats.org/markup-compatibility/2006" xmlns:mv="urn:schemas-microsoft-com:mac:vml" xmlns:p="http://schemas.openxmlformats.org/presentationml/2006/main" xmlns:c="http://schemas.openxmlformats.org/drawingml/2006/chart" xmlns:dgm="http://schemas.openxmlformats.org/drawingml/2006/diagram" xmlns:o="urn:schemas-microsoft-com:office:office" xmlns:v="urn:schemas-microsoft-com:vml" xmlns:pvml="urn:schemas-microsoft-com:office:powerpoint" xmlns:com="http://schemas.openxmlformats.org/drawingml/2006/compatibility" xmlns:p14="http://schemas.microsoft.com/office/powerpoint/2010/main" xmlns:p15="http://schemas.microsoft.com/office/powerpoint/2012/main" xmlns:ahyp="http://schemas.microsoft.com/office/drawing/2018/hyperlinkcolor">
   <p:cSld>
     <p:spTree>
       <p:nvGrpSpPr>
-        <p:cNvPr id="415" name="Shape 415"/>
+        <p:cNvPr id="407" name="Shape 407"/>
         <p:cNvGrpSpPr/>
         <p:nvPr/>
       </p:nvGrpSpPr>
@@ -32247,7 +31851,7 @@
       </p:grpSpPr>
       <p:sp>
         <p:nvSpPr>
-          <p:cNvPr id="416" name="Google Shape;416;p50"/>
+          <p:cNvPr id="408" name="Google Shape;408;p49"/>
           <p:cNvSpPr txBox="1"/>
           <p:nvPr>
             <p:ph type="title"/>
@@ -32297,7 +31901,7 @@
       </p:sp>
       <p:sp>
         <p:nvSpPr>
-          <p:cNvPr id="417" name="Google Shape;417;p50"/>
+          <p:cNvPr id="409" name="Google Shape;409;p49"/>
           <p:cNvSpPr txBox="1"/>
           <p:nvPr>
             <p:ph idx="1" type="body"/>
@@ -32344,7 +31948,7 @@
       </p:sp>
       <p:pic>
         <p:nvPicPr>
-          <p:cNvPr id="418" name="Google Shape;418;p50"/>
+          <p:cNvPr id="410" name="Google Shape;410;p49"/>
           <p:cNvPicPr preferRelativeResize="0"/>
           <p:nvPr/>
         </p:nvPicPr>
@@ -32377,12 +31981,12 @@
 </p:sld>
 </file>
 
-<file path=ppt/slides/slide25.xml><?xml version="1.0" encoding="utf-8"?>
+<file path=ppt/slides/slide24.xml><?xml version="1.0" encoding="utf-8"?>
 <p:sld xmlns:a="http://schemas.openxmlformats.org/drawingml/2006/main" xmlns:r="http://schemas.openxmlformats.org/officeDocument/2006/relationships" xmlns:mc="http://schemas.openxmlformats.org/markup-compatibility/2006" xmlns:mv="urn:schemas-microsoft-com:mac:vml" xmlns:p="http://schemas.openxmlformats.org/presentationml/2006/main" xmlns:c="http://schemas.openxmlformats.org/drawingml/2006/chart" xmlns:dgm="http://schemas.openxmlformats.org/drawingml/2006/diagram" xmlns:o="urn:schemas-microsoft-com:office:office" xmlns:v="urn:schemas-microsoft-com:vml" xmlns:pvml="urn:schemas-microsoft-com:office:powerpoint" xmlns:com="http://schemas.openxmlformats.org/drawingml/2006/compatibility" xmlns:p14="http://schemas.microsoft.com/office/powerpoint/2010/main" xmlns:p15="http://schemas.microsoft.com/office/powerpoint/2012/main" xmlns:ahyp="http://schemas.microsoft.com/office/drawing/2018/hyperlinkcolor">
   <p:cSld>
     <p:spTree>
       <p:nvGrpSpPr>
-        <p:cNvPr id="422" name="Shape 422"/>
+        <p:cNvPr id="414" name="Shape 414"/>
         <p:cNvGrpSpPr/>
         <p:nvPr/>
       </p:nvGrpSpPr>
@@ -32396,7 +32000,7 @@
       </p:grpSpPr>
       <p:sp>
         <p:nvSpPr>
-          <p:cNvPr id="423" name="Google Shape;423;p51"/>
+          <p:cNvPr id="415" name="Google Shape;415;p50"/>
           <p:cNvSpPr txBox="1"/>
           <p:nvPr>
             <p:ph type="ctrTitle"/>
@@ -32444,7 +32048,7 @@
       </p:sp>
       <p:sp>
         <p:nvSpPr>
-          <p:cNvPr id="424" name="Google Shape;424;p51"/>
+          <p:cNvPr id="416" name="Google Shape;416;p50"/>
           <p:cNvSpPr txBox="1"/>
           <p:nvPr>
             <p:ph idx="1" type="subTitle"/>
@@ -32492,7 +32096,7 @@
       </p:sp>
       <p:pic>
         <p:nvPicPr>
-          <p:cNvPr id="425" name="Google Shape;425;p51"/>
+          <p:cNvPr id="417" name="Google Shape;417;p50"/>
           <p:cNvPicPr preferRelativeResize="0"/>
           <p:nvPr/>
         </p:nvPicPr>
@@ -32519,7 +32123,7 @@
       </p:pic>
       <p:pic>
         <p:nvPicPr>
-          <p:cNvPr id="426" name="Google Shape;426;p51"/>
+          <p:cNvPr id="418" name="Google Shape;418;p50"/>
           <p:cNvPicPr preferRelativeResize="0"/>
           <p:nvPr/>
         </p:nvPicPr>
@@ -32546,7 +32150,7 @@
       </p:pic>
       <p:pic>
         <p:nvPicPr>
-          <p:cNvPr id="427" name="Google Shape;427;p51"/>
+          <p:cNvPr id="419" name="Google Shape;419;p50"/>
           <p:cNvPicPr preferRelativeResize="0"/>
           <p:nvPr/>
         </p:nvPicPr>
@@ -32573,7 +32177,7 @@
       </p:pic>
       <p:pic>
         <p:nvPicPr>
-          <p:cNvPr id="428" name="Google Shape;428;p51"/>
+          <p:cNvPr id="420" name="Google Shape;420;p50"/>
           <p:cNvPicPr preferRelativeResize="0"/>
           <p:nvPr/>
         </p:nvPicPr>
@@ -32606,12 +32210,12 @@
 </p:sld>
 </file>
 
-<file path=ppt/slides/slide26.xml><?xml version="1.0" encoding="utf-8"?>
+<file path=ppt/slides/slide25.xml><?xml version="1.0" encoding="utf-8"?>
 <p:sld xmlns:a="http://schemas.openxmlformats.org/drawingml/2006/main" xmlns:r="http://schemas.openxmlformats.org/officeDocument/2006/relationships" xmlns:mc="http://schemas.openxmlformats.org/markup-compatibility/2006" xmlns:mv="urn:schemas-microsoft-com:mac:vml" xmlns:p="http://schemas.openxmlformats.org/presentationml/2006/main" xmlns:c="http://schemas.openxmlformats.org/drawingml/2006/chart" xmlns:dgm="http://schemas.openxmlformats.org/drawingml/2006/diagram" xmlns:o="urn:schemas-microsoft-com:office:office" xmlns:v="urn:schemas-microsoft-com:vml" xmlns:pvml="urn:schemas-microsoft-com:office:powerpoint" xmlns:com="http://schemas.openxmlformats.org/drawingml/2006/compatibility" xmlns:p14="http://schemas.microsoft.com/office/powerpoint/2010/main" xmlns:p15="http://schemas.microsoft.com/office/powerpoint/2012/main" xmlns:ahyp="http://schemas.microsoft.com/office/drawing/2018/hyperlinkcolor">
   <p:cSld>
     <p:spTree>
       <p:nvGrpSpPr>
-        <p:cNvPr id="432" name="Shape 432"/>
+        <p:cNvPr id="424" name="Shape 424"/>
         <p:cNvGrpSpPr/>
         <p:nvPr/>
       </p:nvGrpSpPr>
@@ -32625,7 +32229,7 @@
       </p:grpSpPr>
       <p:sp>
         <p:nvSpPr>
-          <p:cNvPr id="433" name="Google Shape;433;p52"/>
+          <p:cNvPr id="425" name="Google Shape;425;p51"/>
           <p:cNvSpPr txBox="1"/>
           <p:nvPr>
             <p:ph type="title"/>
@@ -32673,7 +32277,7 @@
       </p:sp>
       <p:sp>
         <p:nvSpPr>
-          <p:cNvPr id="434" name="Google Shape;434;p52"/>
+          <p:cNvPr id="426" name="Google Shape;426;p51"/>
           <p:cNvSpPr txBox="1"/>
           <p:nvPr>
             <p:ph idx="1" type="body"/>
@@ -37223,9 +36827,9 @@
 </file>
 
 <file path=ppt/theme/theme1.xml><?xml version="1.0" encoding="utf-8"?>
-<a:theme xmlns:a="http://schemas.openxmlformats.org/drawingml/2006/main" xmlns:r="http://schemas.openxmlformats.org/officeDocument/2006/relationships">
+<a:theme xmlns:a="http://schemas.openxmlformats.org/drawingml/2006/main" xmlns:r="http://schemas.openxmlformats.org/officeDocument/2006/relationships" name="Simple Light">
   <a:themeElements>
-    <a:clrScheme name="Default">
+    <a:clrScheme name="Simple Light">
       <a:dk1>
         <a:srgbClr val="000000"/>
       </a:dk1>
@@ -37233,34 +36837,34 @@
         <a:srgbClr val="FFFFFF"/>
       </a:lt1>
       <a:dk2>
-        <a:srgbClr val="158158"/>
+        <a:srgbClr val="595959"/>
       </a:dk2>
       <a:lt2>
-        <a:srgbClr val="F3F3F3"/>
+        <a:srgbClr val="EEEEEE"/>
       </a:lt2>
       <a:accent1>
-        <a:srgbClr val="058DC7"/>
+        <a:srgbClr val="4285F4"/>
       </a:accent1>
       <a:accent2>
-        <a:srgbClr val="50B432"/>
+        <a:srgbClr val="212121"/>
       </a:accent2>
       <a:accent3>
-        <a:srgbClr val="ED561B"/>
+        <a:srgbClr val="78909C"/>
       </a:accent3>
       <a:accent4>
-        <a:srgbClr val="EDEF00"/>
+        <a:srgbClr val="FFAB40"/>
       </a:accent4>
       <a:accent5>
-        <a:srgbClr val="24CBE5"/>
+        <a:srgbClr val="0097A7"/>
       </a:accent5>
       <a:accent6>
-        <a:srgbClr val="64E572"/>
+        <a:srgbClr val="EEFF41"/>
       </a:accent6>
       <a:hlink>
-        <a:srgbClr val="2200CC"/>
+        <a:srgbClr val="0097A7"/>
       </a:hlink>
       <a:folHlink>
-        <a:srgbClr val="551A8B"/>
+        <a:srgbClr val="0097A7"/>
       </a:folHlink>
     </a:clrScheme>
     <a:fontScheme name="Office">
@@ -37502,9 +37106,9 @@
 </file>
 
 <file path=ppt/theme/theme2.xml><?xml version="1.0" encoding="utf-8"?>
-<a:theme xmlns:a="http://schemas.openxmlformats.org/drawingml/2006/main" xmlns:r="http://schemas.openxmlformats.org/officeDocument/2006/relationships" name="Simple Light">
+<a:theme xmlns:a="http://schemas.openxmlformats.org/drawingml/2006/main" xmlns:r="http://schemas.openxmlformats.org/officeDocument/2006/relationships">
   <a:themeElements>
-    <a:clrScheme name="Simple Light">
+    <a:clrScheme name="Default">
       <a:dk1>
         <a:srgbClr val="000000"/>
       </a:dk1>
@@ -37512,34 +37116,34 @@
         <a:srgbClr val="FFFFFF"/>
       </a:lt1>
       <a:dk2>
-        <a:srgbClr val="595959"/>
+        <a:srgbClr val="158158"/>
       </a:dk2>
       <a:lt2>
-        <a:srgbClr val="EEEEEE"/>
+        <a:srgbClr val="F3F3F3"/>
       </a:lt2>
       <a:accent1>
-        <a:srgbClr val="4285F4"/>
+        <a:srgbClr val="058DC7"/>
       </a:accent1>
       <a:accent2>
-        <a:srgbClr val="212121"/>
+        <a:srgbClr val="50B432"/>
       </a:accent2>
       <a:accent3>
-        <a:srgbClr val="78909C"/>
+        <a:srgbClr val="ED561B"/>
       </a:accent3>
       <a:accent4>
-        <a:srgbClr val="FFAB40"/>
+        <a:srgbClr val="EDEF00"/>
       </a:accent4>
       <a:accent5>
-        <a:srgbClr val="0097A7"/>
+        <a:srgbClr val="24CBE5"/>
       </a:accent5>
       <a:accent6>
-        <a:srgbClr val="EEFF41"/>
+        <a:srgbClr val="64E572"/>
       </a:accent6>
       <a:hlink>
-        <a:srgbClr val="0097A7"/>
+        <a:srgbClr val="2200CC"/>
       </a:hlink>
       <a:folHlink>
-        <a:srgbClr val="0097A7"/>
+        <a:srgbClr val="551A8B"/>
       </a:folHlink>
     </a:clrScheme>
     <a:fontScheme name="Office">
